--- a/Project 1 - Group 6 - Data Set Analysis - 03.21.2020.pptx
+++ b/Project 1 - Group 6 - Data Set Analysis - 03.21.2020.pptx
@@ -4326,6 +4326,17 @@
             </a:r>
           </a:p>
           <a:p>
+            <a:r>
+              <a:rPr lang="en-US" dirty="0"/>
+              <a:t>Any </a:t>
+            </a:r>
+            <a:r>
+              <a:rPr lang="en-US"/>
+              <a:t>further questions</a:t>
+            </a:r>
+            <a:endParaRPr lang="en-US" dirty="0"/>
+          </a:p>
+          <a:p>
             <a:endParaRPr lang="en-US" dirty="0"/>
           </a:p>
           <a:p>

--- a/Project 1 - Group 6 - Data Set Analysis - 03.21.2020.pptx
+++ b/Project 1 - Group 6 - Data Set Analysis - 03.21.2020.pptx
@@ -351,7 +351,7 @@
           <a:p>
             <a:fld id="{ED291B17-9318-49DB-B28B-6E5994AE9581}" type="datetime1">
               <a:rPr lang="en-US" smtClean="0"/>
-              <a:t>3/14/2020</a:t>
+              <a:t>3/16/2020</a:t>
             </a:fld>
             <a:endParaRPr lang="en-US" dirty="0"/>
           </a:p>
@@ -554,7 +554,7 @@
           <a:p>
             <a:fld id="{2CED4963-E985-44C4-B8C4-FDD613B7C2F8}" type="datetime1">
               <a:rPr lang="en-US" smtClean="0"/>
-              <a:t>3/14/2020</a:t>
+              <a:t>3/16/2020</a:t>
             </a:fld>
             <a:endParaRPr lang="en-US" dirty="0"/>
           </a:p>
@@ -916,7 +916,7 @@
           <a:p>
             <a:fld id="{ED291B17-9318-49DB-B28B-6E5994AE9581}" type="datetime1">
               <a:rPr lang="en-US" smtClean="0"/>
-              <a:t>3/14/2020</a:t>
+              <a:t>3/16/2020</a:t>
             </a:fld>
             <a:endParaRPr lang="en-US" dirty="0"/>
           </a:p>
@@ -1114,7 +1114,7 @@
           <a:p>
             <a:fld id="{78DD82B9-B8EE-4375-B6FF-88FA6ABB15D9}" type="datetime1">
               <a:rPr lang="en-US" smtClean="0"/>
-              <a:t>3/14/2020</a:t>
+              <a:t>3/16/2020</a:t>
             </a:fld>
             <a:endParaRPr lang="en-US" dirty="0"/>
           </a:p>
@@ -1426,7 +1426,7 @@
           <a:p>
             <a:fld id="{B2497495-0637-405E-AE64-5CC7506D51F5}" type="datetime1">
               <a:rPr lang="en-US" smtClean="0"/>
-              <a:t>3/14/2020</a:t>
+              <a:t>3/16/2020</a:t>
             </a:fld>
             <a:endParaRPr lang="en-US" dirty="0"/>
           </a:p>
@@ -1679,7 +1679,7 @@
           <a:p>
             <a:fld id="{7BFFD690-9426-415D-8B65-26881E07B2D4}" type="datetime1">
               <a:rPr lang="en-US" smtClean="0"/>
-              <a:t>3/14/2020</a:t>
+              <a:t>3/16/2020</a:t>
             </a:fld>
             <a:endParaRPr lang="en-US" dirty="0"/>
           </a:p>
@@ -2101,7 +2101,7 @@
           <a:p>
             <a:fld id="{04C4989A-474C-40DE-95B9-011C28B71673}" type="datetime1">
               <a:rPr lang="en-US" smtClean="0"/>
-              <a:t>3/14/2020</a:t>
+              <a:t>3/16/2020</a:t>
             </a:fld>
             <a:endParaRPr lang="en-US" dirty="0"/>
           </a:p>
@@ -2224,7 +2224,7 @@
           <a:p>
             <a:fld id="{5DB4ED54-5B5E-4A04-93D3-5772E3CE3818}" type="datetime1">
               <a:rPr lang="en-US" smtClean="0"/>
-              <a:t>3/14/2020</a:t>
+              <a:t>3/16/2020</a:t>
             </a:fld>
             <a:endParaRPr lang="en-US" dirty="0"/>
           </a:p>
@@ -2319,7 +2319,7 @@
           <a:p>
             <a:fld id="{4EDE50D6-574B-40AF-946F-D52A04ADE379}" type="datetime1">
               <a:rPr lang="en-US" smtClean="0"/>
-              <a:t>3/14/2020</a:t>
+              <a:t>3/16/2020</a:t>
             </a:fld>
             <a:endParaRPr lang="en-US" dirty="0"/>
           </a:p>
@@ -2696,7 +2696,7 @@
           <a:p>
             <a:fld id="{D82884F1-FFEA-405F-9602-3DCA865EDA4E}" type="datetime1">
               <a:rPr lang="en-US" smtClean="0"/>
-              <a:t>3/14/2020</a:t>
+              <a:t>3/16/2020</a:t>
             </a:fld>
             <a:endParaRPr lang="en-US" dirty="0"/>
           </a:p>
@@ -2989,7 +2989,7 @@
           <a:p>
             <a:fld id="{7E18DB4A-8810-4A10-AD5C-D5E2C667F5B3}" type="datetime1">
               <a:rPr lang="en-US" smtClean="0"/>
-              <a:t>3/14/2020</a:t>
+              <a:t>3/16/2020</a:t>
             </a:fld>
             <a:endParaRPr lang="en-US" dirty="0"/>
           </a:p>
@@ -3204,7 +3204,7 @@
           <a:p>
             <a:fld id="{ED291B17-9318-49DB-B28B-6E5994AE9581}" type="datetime1">
               <a:rPr lang="en-US" smtClean="0"/>
-              <a:t>3/14/2020</a:t>
+              <a:t>3/16/2020</a:t>
             </a:fld>
             <a:endParaRPr lang="en-US" dirty="0"/>
           </a:p>
@@ -3992,7 +3992,15 @@
             </a:r>
             <a:r>
               <a:rPr lang="en-US" dirty="0"/>
-              <a:t>, jack &amp; Sarai </a:t>
+              <a:t>, jack </a:t>
+            </a:r>
+            <a:r>
+              <a:rPr lang="en-US" dirty="0" err="1"/>
+              <a:t>Ozcelik</a:t>
+            </a:r>
+            <a:r>
+              <a:rPr lang="en-US" dirty="0"/>
+              <a:t> &amp; Sarai </a:t>
             </a:r>
             <a:r>
               <a:rPr lang="en-US" dirty="0" err="1"/>
@@ -4328,13 +4336,8 @@
           <a:p>
             <a:r>
               <a:rPr lang="en-US" dirty="0"/>
-              <a:t>Any </a:t>
-            </a:r>
-            <a:r>
-              <a:rPr lang="en-US"/>
-              <a:t>further questions</a:t>
-            </a:r>
-            <a:endParaRPr lang="en-US" dirty="0"/>
+              <a:t>Any further questions</a:t>
+            </a:r>
           </a:p>
           <a:p>
             <a:endParaRPr lang="en-US" dirty="0"/>

--- a/Project 1 - Group 6 - Data Set Analysis - 03.21.2020.pptx
+++ b/Project 1 - Group 6 - Data Set Analysis - 03.21.2020.pptx
@@ -351,7 +351,7 @@
           <a:p>
             <a:fld id="{ED291B17-9318-49DB-B28B-6E5994AE9581}" type="datetime1">
               <a:rPr lang="en-US" smtClean="0"/>
-              <a:t>3/16/2020</a:t>
+              <a:t>3/18/2020</a:t>
             </a:fld>
             <a:endParaRPr lang="en-US" dirty="0"/>
           </a:p>
@@ -554,7 +554,7 @@
           <a:p>
             <a:fld id="{2CED4963-E985-44C4-B8C4-FDD613B7C2F8}" type="datetime1">
               <a:rPr lang="en-US" smtClean="0"/>
-              <a:t>3/16/2020</a:t>
+              <a:t>3/18/2020</a:t>
             </a:fld>
             <a:endParaRPr lang="en-US" dirty="0"/>
           </a:p>
@@ -916,7 +916,7 @@
           <a:p>
             <a:fld id="{ED291B17-9318-49DB-B28B-6E5994AE9581}" type="datetime1">
               <a:rPr lang="en-US" smtClean="0"/>
-              <a:t>3/16/2020</a:t>
+              <a:t>3/18/2020</a:t>
             </a:fld>
             <a:endParaRPr lang="en-US" dirty="0"/>
           </a:p>
@@ -1114,7 +1114,7 @@
           <a:p>
             <a:fld id="{78DD82B9-B8EE-4375-B6FF-88FA6ABB15D9}" type="datetime1">
               <a:rPr lang="en-US" smtClean="0"/>
-              <a:t>3/16/2020</a:t>
+              <a:t>3/18/2020</a:t>
             </a:fld>
             <a:endParaRPr lang="en-US" dirty="0"/>
           </a:p>
@@ -1426,7 +1426,7 @@
           <a:p>
             <a:fld id="{B2497495-0637-405E-AE64-5CC7506D51F5}" type="datetime1">
               <a:rPr lang="en-US" smtClean="0"/>
-              <a:t>3/16/2020</a:t>
+              <a:t>3/18/2020</a:t>
             </a:fld>
             <a:endParaRPr lang="en-US" dirty="0"/>
           </a:p>
@@ -1679,7 +1679,7 @@
           <a:p>
             <a:fld id="{7BFFD690-9426-415D-8B65-26881E07B2D4}" type="datetime1">
               <a:rPr lang="en-US" smtClean="0"/>
-              <a:t>3/16/2020</a:t>
+              <a:t>3/18/2020</a:t>
             </a:fld>
             <a:endParaRPr lang="en-US" dirty="0"/>
           </a:p>
@@ -2101,7 +2101,7 @@
           <a:p>
             <a:fld id="{04C4989A-474C-40DE-95B9-011C28B71673}" type="datetime1">
               <a:rPr lang="en-US" smtClean="0"/>
-              <a:t>3/16/2020</a:t>
+              <a:t>3/18/2020</a:t>
             </a:fld>
             <a:endParaRPr lang="en-US" dirty="0"/>
           </a:p>
@@ -2224,7 +2224,7 @@
           <a:p>
             <a:fld id="{5DB4ED54-5B5E-4A04-93D3-5772E3CE3818}" type="datetime1">
               <a:rPr lang="en-US" smtClean="0"/>
-              <a:t>3/16/2020</a:t>
+              <a:t>3/18/2020</a:t>
             </a:fld>
             <a:endParaRPr lang="en-US" dirty="0"/>
           </a:p>
@@ -2319,7 +2319,7 @@
           <a:p>
             <a:fld id="{4EDE50D6-574B-40AF-946F-D52A04ADE379}" type="datetime1">
               <a:rPr lang="en-US" smtClean="0"/>
-              <a:t>3/16/2020</a:t>
+              <a:t>3/18/2020</a:t>
             </a:fld>
             <a:endParaRPr lang="en-US" dirty="0"/>
           </a:p>
@@ -2696,7 +2696,7 @@
           <a:p>
             <a:fld id="{D82884F1-FFEA-405F-9602-3DCA865EDA4E}" type="datetime1">
               <a:rPr lang="en-US" smtClean="0"/>
-              <a:t>3/16/2020</a:t>
+              <a:t>3/18/2020</a:t>
             </a:fld>
             <a:endParaRPr lang="en-US" dirty="0"/>
           </a:p>
@@ -2989,7 +2989,7 @@
           <a:p>
             <a:fld id="{7E18DB4A-8810-4A10-AD5C-D5E2C667F5B3}" type="datetime1">
               <a:rPr lang="en-US" smtClean="0"/>
-              <a:t>3/16/2020</a:t>
+              <a:t>3/18/2020</a:t>
             </a:fld>
             <a:endParaRPr lang="en-US" dirty="0"/>
           </a:p>
@@ -3204,7 +3204,7 @@
           <a:p>
             <a:fld id="{ED291B17-9318-49DB-B28B-6E5994AE9581}" type="datetime1">
               <a:rPr lang="en-US" smtClean="0"/>
-              <a:t>3/16/2020</a:t>
+              <a:t>3/18/2020</a:t>
             </a:fld>
             <a:endParaRPr lang="en-US" dirty="0"/>
           </a:p>
@@ -4293,7 +4293,9 @@
         </p:nvSpPr>
         <p:spPr/>
         <p:txBody>
-          <a:bodyPr/>
+          <a:bodyPr>
+            <a:normAutofit lnSpcReduction="10000"/>
+          </a:bodyPr>
           <a:lstStyle/>
           <a:p>
             <a:r>
@@ -4332,6 +4334,17 @@
               <a:rPr lang="en-US" dirty="0"/>
               <a:t>There are discussions regarding that companies do not provide the same benefits in terms of retirement pension and health benefits. More employees seem to be switching jobs at an alarming rate. What is the average age distribution verses average time at the company? </a:t>
             </a:r>
+          </a:p>
+          <a:p>
+            <a:r>
+              <a:rPr lang="en-US" dirty="0"/>
+              <a:t>Does the data show any relationship between ‘Educational Level’ versus ‘</a:t>
+            </a:r>
+            <a:r>
+              <a:rPr lang="en-US"/>
+              <a:t>Employee Retention’?</a:t>
+            </a:r>
+            <a:endParaRPr lang="en-US" dirty="0"/>
           </a:p>
           <a:p>
             <a:r>
